--- a/docs/Presentation_Proposal.pptx
+++ b/docs/Presentation_Proposal.pptx
@@ -4484,6 +4484,13 @@
               <a:rPr lang="en-US" dirty="0"/>
               <a:t>NLP4Web Project</a:t>
             </a:r>
+            <a:br>
+              <a:rPr lang="en-US" dirty="0"/>
+            </a:br>
+            <a:r>
+              <a:rPr lang="en-US" cap="none" dirty="0"/>
+              <a:t>TwitterSherlock</a:t>
+            </a:r>
           </a:p>
         </p:txBody>
       </p:sp>
@@ -4912,7 +4919,6 @@
               <a:rPr lang="en-US" sz="2200" dirty="0"/>
               <a:t>DKPro (Preprocessing of raw data)/DKPro TC</a:t>
             </a:r>
-            <a:endParaRPr lang="en-US" sz="2200" dirty="0"/>
           </a:p>
           <a:p>
             <a:pPr lvl="1"/>

--- a/docs/Presentation_Proposal.pptx
+++ b/docs/Presentation_Proposal.pptx
@@ -4816,25 +4816,44 @@
           <a:p>
             <a:r>
               <a:rPr lang="en-US" sz="2400" dirty="0"/>
-              <a:t>Preprocessing of raw data using DKPro (Tokenization, POS-Tagging, Normalization, Chunking, …)</a:t>
+              <a:t>Preprocessing of raw data using DKPro (Tokenization, POS-Tagging, Normalization, Chunking, etc.)</a:t>
             </a:r>
           </a:p>
           <a:p>
             <a:r>
               <a:rPr lang="en-US" sz="2400" dirty="0"/>
-              <a:t>Data exploration and extraction of domain-specific features based on style of writing (vocabulary, linguistic style, grammar, emoticons, hashtags, …)</a:t>
+              <a:t>Data exploration and extraction of domain-specific features based on style of writing (vocabulary, linguistic style, grammar, emoticons, hashtags, etc.)</a:t>
             </a:r>
           </a:p>
           <a:p>
             <a:r>
               <a:rPr lang="en-US" sz="2400" dirty="0"/>
-              <a:t>Train several state-of-the-art classifiers to perform the classification task (e. g. Artificial Neural Networks, Naïve-Bayes, …) and tuning of parameters, feature and model selection</a:t>
-            </a:r>
-          </a:p>
-          <a:p>
-            <a:r>
+              <a:t>Train several state-of-the-art classifiers to perform the classification task </a:t>
+            </a:r>
+            <a:br>
               <a:rPr lang="en-US" sz="2400" dirty="0"/>
-              <a:t>Evaluate the classifier(s) using ROC-Curves, Confusion Matrix, Precision, Recall, …</a:t>
+            </a:br>
+            <a:r>
+              <a:rPr lang="en-US" sz="2400" dirty="0"/>
+              <a:t>(e. g. </a:t>
+            </a:r>
+            <a:r>
+              <a:rPr lang="en-US" sz="2400" dirty="0" err="1"/>
+              <a:t>CRFSuite</a:t>
+            </a:r>
+            <a:r>
+              <a:rPr lang="en-US" sz="2400" dirty="0"/>
+              <a:t> conditional random fields and </a:t>
+            </a:r>
+            <a:r>
+              <a:rPr lang="en-US" sz="2400" dirty="0"/>
+              <a:t>neural networks) and tuning of parameters, feature and model selection</a:t>
+            </a:r>
+          </a:p>
+          <a:p>
+            <a:r>
+              <a:rPr lang="en-US" sz="2400" dirty="0"/>
+              <a:t>Evaluate the classifier(s) using ROC-Curves, Confusion Matrix, Precision, Recall (industry-standard evaluation methods)</a:t>
             </a:r>
           </a:p>
         </p:txBody>
